--- a/PLPTH813Bioinformatis/2023/lectures/lecture09_qtl_gwas.pptx
+++ b/PLPTH813Bioinformatis/2023/lectures/lecture09_qtl_gwas.pptx
@@ -244,7 +244,7 @@
           <a:p>
             <a:fld id="{C26D2774-186A-AB48-9F36-82FDB6A83C3D}" type="datetimeFigureOut">
               <a:rPr lang="en-US" smtClean="0"/>
-              <a:t>2/27/23</a:t>
+              <a:t>3/2/23</a:t>
             </a:fld>
             <a:endParaRPr lang="en-US"/>
           </a:p>
@@ -410,7 +410,7 @@
           <a:p>
             <a:fld id="{F5F41562-610F-7E41-93EF-79170C8340CD}" type="datetimeFigureOut">
               <a:rPr lang="en-US" smtClean="0"/>
-              <a:t>2/27/23</a:t>
+              <a:t>3/2/23</a:t>
             </a:fld>
             <a:endParaRPr lang="en-US"/>
           </a:p>
@@ -806,14 +806,6 @@
           <a:bodyPr/>
           <a:lstStyle/>
           <a:p>
-            <a:r>
-              <a:rPr lang="en-US" dirty="0"/>
-              <a:t>simply population 1 were</a:t>
-            </a:r>
-            <a:r>
-              <a:rPr lang="en-US" baseline="0" dirty="0"/>
-              <a:t> represented at a higher proportion in the group of "early flowering".</a:t>
-            </a:r>
             <a:endParaRPr lang="en-US" dirty="0"/>
           </a:p>
         </p:txBody>
@@ -825,7 +817,7 @@
             <a:spLocks noGrp="1"/>
           </p:cNvSpPr>
           <p:nvPr>
-            <p:ph type="sldNum" sz="quarter" idx="10"/>
+            <p:ph type="sldNum" sz="quarter" idx="5"/>
           </p:nvPr>
         </p:nvSpPr>
         <p:spPr/>
@@ -835,7 +827,7 @@
           <a:p>
             <a:fld id="{A8154D48-21AB-6546-9E79-9D680E89D07C}" type="slidenum">
               <a:rPr lang="en-US" smtClean="0"/>
-              <a:t>25</a:t>
+              <a:t>21</a:t>
             </a:fld>
             <a:endParaRPr lang="en-US"/>
           </a:p>
@@ -844,7 +836,7 @@
     </p:spTree>
     <p:extLst>
       <p:ext uri="{BB962C8B-B14F-4D97-AF65-F5344CB8AC3E}">
-        <p14:creationId xmlns:p14="http://schemas.microsoft.com/office/powerpoint/2010/main" val="2000882058"/>
+        <p14:creationId xmlns:p14="http://schemas.microsoft.com/office/powerpoint/2010/main" val="1907557865"/>
       </p:ext>
     </p:extLst>
   </p:cSld>
@@ -898,6 +890,14 @@
           <a:bodyPr/>
           <a:lstStyle/>
           <a:p>
+            <a:r>
+              <a:rPr lang="en-US" dirty="0"/>
+              <a:t>simply population 1 were</a:t>
+            </a:r>
+            <a:r>
+              <a:rPr lang="en-US" baseline="0" dirty="0"/>
+              <a:t> represented at a higher proportion in the group of "early flowering".</a:t>
+            </a:r>
             <a:endParaRPr lang="en-US" dirty="0"/>
           </a:p>
         </p:txBody>
@@ -919,7 +919,7 @@
           <a:p>
             <a:fld id="{A8154D48-21AB-6546-9E79-9D680E89D07C}" type="slidenum">
               <a:rPr lang="en-US" smtClean="0"/>
-              <a:t>26</a:t>
+              <a:t>25</a:t>
             </a:fld>
             <a:endParaRPr lang="en-US"/>
           </a:p>
@@ -928,7 +928,7 @@
     </p:spTree>
     <p:extLst>
       <p:ext uri="{BB962C8B-B14F-4D97-AF65-F5344CB8AC3E}">
-        <p14:creationId xmlns:p14="http://schemas.microsoft.com/office/powerpoint/2010/main" val="860565167"/>
+        <p14:creationId xmlns:p14="http://schemas.microsoft.com/office/powerpoint/2010/main" val="2000882058"/>
       </p:ext>
     </p:extLst>
   </p:cSld>
@@ -982,42 +982,7 @@
           <a:bodyPr/>
           <a:lstStyle/>
           <a:p>
-            <a:r>
-              <a:rPr lang="en-US" dirty="0"/>
-              <a:t>Population structure and kinship are both confounding factors in GWAS since they produce covariance between individuals' phenotype values. Yet the dimensionality of these two processes are different. Population structure is a low dimensional process embedded in a high dimensional space so that a relatively small number of principal components represent the underlying population genetics [2], [27], [30]. Therefore, a small number of principal components can be adequate to account for population structure in GWAS datasets [3], [1]. Conversely, kinship is a high dimensional process since small sets of individuals are very closely related while being unrelated to the remaining individuals. Consider an idealized example of independent parent-offspring duos so that the coefficient of </a:t>
-            </a:r>
-            <a:r>
-              <a:rPr lang="en-US" dirty="0" err="1"/>
-              <a:t>coancestry</a:t>
-            </a:r>
-            <a:r>
-              <a:rPr lang="en-US" dirty="0"/>
-              <a:t> between parent and offspring is 0.5, and 0 between all other individuals. It follows directly that the corresponding </a:t>
-            </a:r>
-            <a:r>
-              <a:rPr lang="en-US" dirty="0" err="1"/>
-              <a:t>coancestry</a:t>
-            </a:r>
-            <a:r>
-              <a:rPr lang="en-US" dirty="0"/>
-              <a:t> matrix is block diagonal and the </a:t>
-            </a:r>
-            <a:r>
-              <a:rPr lang="en-US" dirty="0" err="1"/>
-              <a:t>eigen</a:t>
-            </a:r>
-            <a:r>
-              <a:rPr lang="en-US" dirty="0"/>
-              <a:t>-spectrum has a long tail so that all </a:t>
-            </a:r>
-            <a:r>
-              <a:rPr lang="en-US" dirty="0" err="1"/>
-              <a:t>eigen</a:t>
-            </a:r>
-            <a:r>
-              <a:rPr lang="en-US" dirty="0"/>
-              <a:t>-values are nonzero. Thus kinship is a high-dimensional process that cannot be captured by a small number of principal components. </a:t>
-            </a:r>
+            <a:endParaRPr lang="en-US" dirty="0"/>
           </a:p>
         </p:txBody>
       </p:sp>
@@ -1038,7 +1003,7 @@
           <a:p>
             <a:fld id="{A8154D48-21AB-6546-9E79-9D680E89D07C}" type="slidenum">
               <a:rPr lang="en-US" smtClean="0"/>
-              <a:t>27</a:t>
+              <a:t>26</a:t>
             </a:fld>
             <a:endParaRPr lang="en-US"/>
           </a:p>
@@ -1047,7 +1012,7 @@
     </p:spTree>
     <p:extLst>
       <p:ext uri="{BB962C8B-B14F-4D97-AF65-F5344CB8AC3E}">
-        <p14:creationId xmlns:p14="http://schemas.microsoft.com/office/powerpoint/2010/main" val="3798629242"/>
+        <p14:creationId xmlns:p14="http://schemas.microsoft.com/office/powerpoint/2010/main" val="860565167"/>
       </p:ext>
     </p:extLst>
   </p:cSld>
@@ -1102,15 +1067,149 @@
           <a:lstStyle/>
           <a:p>
             <a:r>
-              <a:rPr lang="en-US" sz="1200" b="0" i="0" u="none" strike="noStrike" kern="1200" baseline="0" dirty="0">
+              <a:rPr lang="en-US" dirty="0"/>
+              <a:t>Population structure and kinship are both confounding factors in GWAS since they produce covariance between individuals' phenotype values. Yet the dimensionality of these two processes are different. Population structure is a low dimensional process embedded in a high dimensional space so that a relatively small number of principal components represent the underlying population genetics [2], [27], [30]. Therefore, a small number of principal components can be adequate to account for population structure in GWAS datasets [3], [1]. Conversely, kinship is a high dimensional process since small sets of individuals are very closely related while being unrelated to the remaining individuals. Consider an idealized example of independent parent-offspring duos so that the coefficient of </a:t>
+            </a:r>
+            <a:r>
+              <a:rPr lang="en-US" dirty="0" err="1"/>
+              <a:t>coancestry</a:t>
+            </a:r>
+            <a:r>
+              <a:rPr lang="en-US" dirty="0"/>
+              <a:t> between parent and offspring is 0.5, and 0 between all other individuals. It follows directly that the corresponding </a:t>
+            </a:r>
+            <a:r>
+              <a:rPr lang="en-US" dirty="0" err="1"/>
+              <a:t>coancestry</a:t>
+            </a:r>
+            <a:r>
+              <a:rPr lang="en-US" dirty="0"/>
+              <a:t> matrix is block diagonal and the </a:t>
+            </a:r>
+            <a:r>
+              <a:rPr lang="en-US" dirty="0" err="1"/>
+              <a:t>eigen</a:t>
+            </a:r>
+            <a:r>
+              <a:rPr lang="en-US" dirty="0"/>
+              <a:t>-spectrum has a long tail so that all </a:t>
+            </a:r>
+            <a:r>
+              <a:rPr lang="en-US" dirty="0" err="1"/>
+              <a:t>eigen</a:t>
+            </a:r>
+            <a:r>
+              <a:rPr lang="en-US" dirty="0"/>
+              <a:t>-values are nonzero. Thus kinship is a high-dimensional process that cannot be captured by a small number of principal components. </a:t>
+            </a:r>
+          </a:p>
+        </p:txBody>
+      </p:sp>
+      <p:sp>
+        <p:nvSpPr>
+          <p:cNvPr id="4" name="Slide Number Placeholder 3"/>
+          <p:cNvSpPr>
+            <a:spLocks noGrp="1"/>
+          </p:cNvSpPr>
+          <p:nvPr>
+            <p:ph type="sldNum" sz="quarter" idx="10"/>
+          </p:nvPr>
+        </p:nvSpPr>
+        <p:spPr/>
+        <p:txBody>
+          <a:bodyPr/>
+          <a:lstStyle/>
+          <a:p>
+            <a:fld id="{A8154D48-21AB-6546-9E79-9D680E89D07C}" type="slidenum">
+              <a:rPr lang="en-US" smtClean="0"/>
+              <a:t>27</a:t>
+            </a:fld>
+            <a:endParaRPr lang="en-US"/>
+          </a:p>
+        </p:txBody>
+      </p:sp>
+    </p:spTree>
+    <p:extLst>
+      <p:ext uri="{BB962C8B-B14F-4D97-AF65-F5344CB8AC3E}">
+        <p14:creationId xmlns:p14="http://schemas.microsoft.com/office/powerpoint/2010/main" val="3798629242"/>
+      </p:ext>
+    </p:extLst>
+  </p:cSld>
+  <p:clrMapOvr>
+    <a:masterClrMapping/>
+  </p:clrMapOvr>
+</p:notes>
+</file>
+
+<file path=ppt/notesSlides/notesSlide14.xml><?xml version="1.0" encoding="utf-8"?>
+<p:notes xmlns:a="http://schemas.openxmlformats.org/drawingml/2006/main" xmlns:r="http://schemas.openxmlformats.org/officeDocument/2006/relationships" xmlns:p="http://schemas.openxmlformats.org/presentationml/2006/main">
+  <p:cSld>
+    <p:spTree>
+      <p:nvGrpSpPr>
+        <p:cNvPr id="1" name=""/>
+        <p:cNvGrpSpPr/>
+        <p:nvPr/>
+      </p:nvGrpSpPr>
+      <p:grpSpPr>
+        <a:xfrm>
+          <a:off x="0" y="0"/>
+          <a:ext cx="0" cy="0"/>
+          <a:chOff x="0" y="0"/>
+          <a:chExt cx="0" cy="0"/>
+        </a:xfrm>
+      </p:grpSpPr>
+      <p:sp>
+        <p:nvSpPr>
+          <p:cNvPr id="2" name="Slide Image Placeholder 1"/>
+          <p:cNvSpPr>
+            <a:spLocks noGrp="1" noRot="1" noChangeAspect="1"/>
+          </p:cNvSpPr>
+          <p:nvPr>
+            <p:ph type="sldImg"/>
+          </p:nvPr>
+        </p:nvSpPr>
+        <p:spPr/>
+      </p:sp>
+      <p:sp>
+        <p:nvSpPr>
+          <p:cNvPr id="3" name="Notes Placeholder 2"/>
+          <p:cNvSpPr>
+            <a:spLocks noGrp="1"/>
+          </p:cNvSpPr>
+          <p:nvPr>
+            <p:ph type="body" idx="1"/>
+          </p:nvPr>
+        </p:nvSpPr>
+        <p:spPr/>
+        <p:txBody>
+          <a:bodyPr/>
+          <a:lstStyle/>
+          <a:p>
+            <a:pPr algn="l"/>
+            <a:r>
+              <a:rPr lang="en-US" b="0" i="0" dirty="0">
                 <a:solidFill>
-                  <a:schemeClr val="tx1"/>
+                  <a:srgbClr val="374151"/>
                 </a:solidFill>
-                <a:latin typeface="+mn-lt"/>
-                <a:ea typeface="+mn-ea"/>
-                <a:cs typeface="+mn-cs"/>
+                <a:effectLst/>
+                <a:latin typeface="Söhne"/>
               </a:rPr>
-              <a:t>Balding</a:t>
+              <a:t>In a Q-Q plot from a genome-wide association study (GWAS), each dot represents the expected versus observed p-values for a single nucleotide polymorphism (SNP).</a:t>
+            </a:r>
+          </a:p>
+          <a:p>
+            <a:br>
+              <a:rPr lang="en-US" dirty="0"/>
+            </a:br>
+            <a:r>
+              <a:rPr lang="en-US" b="0" i="0" dirty="0">
+                <a:solidFill>
+                  <a:srgbClr val="374151"/>
+                </a:solidFill>
+                <a:effectLst/>
+                <a:latin typeface="Söhne"/>
+              </a:rPr>
+              <a:t>expected p-value = (rank of SNP in the data set) / (total number of SNPs being tested)</a:t>
             </a:r>
             <a:endParaRPr lang="en-US" dirty="0"/>
           </a:p>
@@ -1152,7 +1251,7 @@
 </p:notes>
 </file>
 
-<file path=ppt/notesSlides/notesSlide14.xml><?xml version="1.0" encoding="utf-8"?>
+<file path=ppt/notesSlides/notesSlide15.xml><?xml version="1.0" encoding="utf-8"?>
 <p:notes xmlns:a="http://schemas.openxmlformats.org/drawingml/2006/main" xmlns:r="http://schemas.openxmlformats.org/officeDocument/2006/relationships" xmlns:p="http://schemas.openxmlformats.org/presentationml/2006/main">
   <p:cSld>
     <p:spTree>
@@ -1477,7 +1576,7 @@
           <a:p>
             <a:fld id="{A8154D48-21AB-6546-9E79-9D680E89D07C}" type="slidenum">
               <a:rPr lang="en-US" smtClean="0"/>
-              <a:t>10</a:t>
+              <a:t>9</a:t>
             </a:fld>
             <a:endParaRPr lang="en-US"/>
           </a:p>
@@ -1486,7 +1585,7 @@
     </p:spTree>
     <p:extLst>
       <p:ext uri="{BB962C8B-B14F-4D97-AF65-F5344CB8AC3E}">
-        <p14:creationId xmlns:p14="http://schemas.microsoft.com/office/powerpoint/2010/main" val="4207912584"/>
+        <p14:creationId xmlns:p14="http://schemas.microsoft.com/office/powerpoint/2010/main" val="2009995229"/>
       </p:ext>
     </p:extLst>
   </p:cSld>
@@ -1540,42 +1639,6 @@
           <a:bodyPr/>
           <a:lstStyle/>
           <a:p>
-            <a:r>
-              <a:rPr lang="en-IN" sz="1400" dirty="0">
-                <a:solidFill>
-                  <a:srgbClr val="FF0000"/>
-                </a:solidFill>
-              </a:rPr>
-              <a:t>Assumptions: </a:t>
-            </a:r>
-          </a:p>
-          <a:p>
-            <a:pPr marL="0" indent="0">
-              <a:buNone/>
-            </a:pPr>
-            <a:r>
-              <a:rPr lang="en-IN" sz="1200" dirty="0">
-                <a:solidFill>
-                  <a:srgbClr val="000000"/>
-                </a:solidFill>
-              </a:rPr>
-              <a:t>1. </a:t>
-            </a:r>
-            <a:r>
-              <a:rPr lang="en-IN" sz="1200" dirty="0"/>
-              <a:t>Crossovers occurred at random along the chromosome </a:t>
-            </a:r>
-          </a:p>
-          <a:p>
-            <a:pPr marL="0" indent="0">
-              <a:buNone/>
-            </a:pPr>
-            <a:r>
-              <a:rPr lang="en-IN" sz="1200" dirty="0"/>
-              <a:t>2. The probability of a crossover at one position along the chromosome was independent of the probability of a crossover at another position.</a:t>
-            </a:r>
-          </a:p>
-          <a:p>
             <a:endParaRPr lang="en-US" dirty="0"/>
           </a:p>
         </p:txBody>
@@ -1587,7 +1650,7 @@
             <a:spLocks noGrp="1"/>
           </p:cNvSpPr>
           <p:nvPr>
-            <p:ph type="sldNum" sz="quarter" idx="10"/>
+            <p:ph type="sldNum" sz="quarter" idx="5"/>
           </p:nvPr>
         </p:nvSpPr>
         <p:spPr/>
@@ -1597,7 +1660,7 @@
           <a:p>
             <a:fld id="{A8154D48-21AB-6546-9E79-9D680E89D07C}" type="slidenum">
               <a:rPr lang="en-US" smtClean="0"/>
-              <a:t>11</a:t>
+              <a:t>10</a:t>
             </a:fld>
             <a:endParaRPr lang="en-US"/>
           </a:p>
@@ -1606,7 +1669,7 @@
     </p:spTree>
     <p:extLst>
       <p:ext uri="{BB962C8B-B14F-4D97-AF65-F5344CB8AC3E}">
-        <p14:creationId xmlns:p14="http://schemas.microsoft.com/office/powerpoint/2010/main" val="747861916"/>
+        <p14:creationId xmlns:p14="http://schemas.microsoft.com/office/powerpoint/2010/main" val="4207912584"/>
       </p:ext>
     </p:extLst>
   </p:cSld>
@@ -1661,147 +1724,42 @@
           <a:lstStyle/>
           <a:p>
             <a:r>
-              <a:rPr lang="en-US" dirty="0"/>
-              <a:t>r &lt;- seq(0, 0.4999, by=0.01)</a:t>
-            </a:r>
-          </a:p>
-          <a:p>
-            <a:r>
-              <a:rPr lang="en-US" dirty="0"/>
-              <a:t>d &lt;- -0.5*log(1-2*r)</a:t>
-            </a:r>
-          </a:p>
-          <a:p>
-            <a:r>
-              <a:rPr lang="en-US" dirty="0" err="1"/>
-              <a:t>cM</a:t>
-            </a:r>
-            <a:r>
-              <a:rPr lang="en-US" dirty="0"/>
-              <a:t> &lt;- d*100</a:t>
-            </a:r>
-          </a:p>
-          <a:p>
-            <a:r>
-              <a:rPr lang="en-US" dirty="0"/>
-              <a:t>plot(NULL, NULL, </a:t>
-            </a:r>
-            <a:r>
-              <a:rPr lang="en-US" dirty="0" err="1"/>
-              <a:t>xlim</a:t>
-            </a:r>
-            <a:r>
-              <a:rPr lang="en-US" dirty="0"/>
-              <a:t>=range(r), </a:t>
-            </a:r>
-            <a:r>
-              <a:rPr lang="en-US" dirty="0" err="1"/>
-              <a:t>ylim</a:t>
-            </a:r>
-            <a:r>
-              <a:rPr lang="en-US" dirty="0"/>
-              <a:t>=range(</a:t>
-            </a:r>
-            <a:r>
-              <a:rPr lang="en-US" dirty="0" err="1"/>
-              <a:t>cM</a:t>
-            </a:r>
-            <a:r>
-              <a:rPr lang="en-US" dirty="0"/>
-              <a:t>),</a:t>
-            </a:r>
-          </a:p>
-          <a:p>
-            <a:r>
-              <a:rPr lang="en-US" dirty="0"/>
-              <a:t>     </a:t>
-            </a:r>
-            <a:r>
-              <a:rPr lang="en-US" dirty="0" err="1"/>
-              <a:t>xlab</a:t>
-            </a:r>
-            <a:r>
-              <a:rPr lang="en-US" dirty="0"/>
-              <a:t>="recombination rate",</a:t>
-            </a:r>
-          </a:p>
-          <a:p>
-            <a:r>
-              <a:rPr lang="en-US" dirty="0"/>
-              <a:t>     </a:t>
-            </a:r>
-            <a:r>
-              <a:rPr lang="en-US" dirty="0" err="1"/>
-              <a:t>ylab</a:t>
-            </a:r>
-            <a:r>
-              <a:rPr lang="en-US" dirty="0"/>
-              <a:t>="Haldane's distance (</a:t>
-            </a:r>
-            <a:r>
-              <a:rPr lang="en-US" dirty="0" err="1"/>
-              <a:t>cM</a:t>
-            </a:r>
-            <a:r>
-              <a:rPr lang="en-US" dirty="0"/>
-              <a:t>)",</a:t>
-            </a:r>
-          </a:p>
-          <a:p>
-            <a:r>
-              <a:rPr lang="en-US" dirty="0"/>
-              <a:t>     main="Haldane's mapping function")</a:t>
-            </a:r>
-          </a:p>
-          <a:p>
-            <a:r>
-              <a:rPr lang="en-US" dirty="0"/>
-              <a:t>lines(r, </a:t>
-            </a:r>
-            <a:r>
-              <a:rPr lang="en-US" dirty="0" err="1"/>
-              <a:t>cM</a:t>
-            </a:r>
-            <a:r>
-              <a:rPr lang="en-US" dirty="0"/>
-              <a:t>, </a:t>
-            </a:r>
-            <a:r>
-              <a:rPr lang="en-US" dirty="0" err="1"/>
-              <a:t>lwd</a:t>
-            </a:r>
-            <a:r>
-              <a:rPr lang="en-US" dirty="0"/>
-              <a:t>=2)</a:t>
-            </a:r>
-          </a:p>
-          <a:p>
-            <a:r>
-              <a:rPr lang="en-US" dirty="0"/>
-              <a:t>lines(r, 100*r, col="gray50", </a:t>
-            </a:r>
-            <a:r>
-              <a:rPr lang="en-US" dirty="0" err="1"/>
-              <a:t>lwd</a:t>
-            </a:r>
-            <a:r>
-              <a:rPr lang="en-US" dirty="0"/>
-              <a:t>=2)</a:t>
-            </a:r>
-          </a:p>
-          <a:p>
-            <a:r>
-              <a:rPr lang="en-US" dirty="0"/>
-              <a:t>#</a:t>
-            </a:r>
-            <a:r>
-              <a:rPr lang="en-US" dirty="0" err="1"/>
-              <a:t>abline</a:t>
-            </a:r>
-            <a:r>
-              <a:rPr lang="en-US" dirty="0"/>
-              <a:t>(a=0, b=1)</a:t>
-            </a:r>
+              <a:rPr lang="en-IN" sz="1400" dirty="0">
+                <a:solidFill>
+                  <a:srgbClr val="FF0000"/>
+                </a:solidFill>
+              </a:rPr>
+              <a:t>Assumptions: </a:t>
+            </a:r>
+          </a:p>
+          <a:p>
+            <a:pPr marL="0" indent="0">
+              <a:buNone/>
+            </a:pPr>
+            <a:r>
+              <a:rPr lang="en-IN" sz="1200" dirty="0">
+                <a:solidFill>
+                  <a:srgbClr val="000000"/>
+                </a:solidFill>
+              </a:rPr>
+              <a:t>1. </a:t>
+            </a:r>
+            <a:r>
+              <a:rPr lang="en-IN" sz="1200" dirty="0"/>
+              <a:t>Crossovers occurred at random along the chromosome </a:t>
+            </a:r>
+          </a:p>
+          <a:p>
+            <a:pPr marL="0" indent="0">
+              <a:buNone/>
+            </a:pPr>
+            <a:r>
+              <a:rPr lang="en-IN" sz="1200" dirty="0"/>
+              <a:t>2. The probability of a crossover at one position along the chromosome was independent of the probability of a crossover at another position.</a:t>
+            </a:r>
+          </a:p>
+          <a:p>
+            <a:endParaRPr lang="en-US" dirty="0"/>
           </a:p>
         </p:txBody>
       </p:sp>
@@ -1822,7 +1780,7 @@
           <a:p>
             <a:fld id="{A8154D48-21AB-6546-9E79-9D680E89D07C}" type="slidenum">
               <a:rPr lang="en-US" smtClean="0"/>
-              <a:t>13</a:t>
+              <a:t>11</a:t>
             </a:fld>
             <a:endParaRPr lang="en-US"/>
           </a:p>
@@ -1831,7 +1789,7 @@
     </p:spTree>
     <p:extLst>
       <p:ext uri="{BB962C8B-B14F-4D97-AF65-F5344CB8AC3E}">
-        <p14:creationId xmlns:p14="http://schemas.microsoft.com/office/powerpoint/2010/main" val="2600705999"/>
+        <p14:creationId xmlns:p14="http://schemas.microsoft.com/office/powerpoint/2010/main" val="747861916"/>
       </p:ext>
     </p:extLst>
   </p:cSld>
@@ -1886,42 +1844,147 @@
           <a:lstStyle/>
           <a:p>
             <a:r>
-              <a:rPr lang="en-IN" sz="1400" dirty="0">
-                <a:solidFill>
-                  <a:srgbClr val="FF0000"/>
-                </a:solidFill>
-              </a:rPr>
-              <a:t>Assumptions: </a:t>
-            </a:r>
-          </a:p>
-          <a:p>
-            <a:pPr marL="0" indent="0">
-              <a:buNone/>
-            </a:pPr>
-            <a:r>
-              <a:rPr lang="en-IN" sz="1200" dirty="0">
-                <a:solidFill>
-                  <a:srgbClr val="000000"/>
-                </a:solidFill>
-              </a:rPr>
-              <a:t>1. </a:t>
-            </a:r>
-            <a:r>
-              <a:rPr lang="en-IN" sz="1200" dirty="0"/>
-              <a:t>Crossovers occurred at random along the chromosome </a:t>
-            </a:r>
-          </a:p>
-          <a:p>
-            <a:pPr marL="0" indent="0">
-              <a:buNone/>
-            </a:pPr>
-            <a:r>
-              <a:rPr lang="en-IN" sz="1200" dirty="0"/>
-              <a:t>2. The probability of a crossover at one position along the chromosome was independent of the probability of a crossover at another position.</a:t>
-            </a:r>
-          </a:p>
-          <a:p>
-            <a:endParaRPr lang="en-US" dirty="0"/>
+              <a:rPr lang="en-US" dirty="0"/>
+              <a:t>r &lt;- seq(0, 0.4999, by=0.01)</a:t>
+            </a:r>
+          </a:p>
+          <a:p>
+            <a:r>
+              <a:rPr lang="en-US" dirty="0"/>
+              <a:t>d &lt;- -0.5*log(1-2*r)</a:t>
+            </a:r>
+          </a:p>
+          <a:p>
+            <a:r>
+              <a:rPr lang="en-US" dirty="0" err="1"/>
+              <a:t>cM</a:t>
+            </a:r>
+            <a:r>
+              <a:rPr lang="en-US" dirty="0"/>
+              <a:t> &lt;- d*100</a:t>
+            </a:r>
+          </a:p>
+          <a:p>
+            <a:r>
+              <a:rPr lang="en-US" dirty="0"/>
+              <a:t>plot(NULL, NULL, </a:t>
+            </a:r>
+            <a:r>
+              <a:rPr lang="en-US" dirty="0" err="1"/>
+              <a:t>xlim</a:t>
+            </a:r>
+            <a:r>
+              <a:rPr lang="en-US" dirty="0"/>
+              <a:t>=range(r), </a:t>
+            </a:r>
+            <a:r>
+              <a:rPr lang="en-US" dirty="0" err="1"/>
+              <a:t>ylim</a:t>
+            </a:r>
+            <a:r>
+              <a:rPr lang="en-US" dirty="0"/>
+              <a:t>=range(</a:t>
+            </a:r>
+            <a:r>
+              <a:rPr lang="en-US" dirty="0" err="1"/>
+              <a:t>cM</a:t>
+            </a:r>
+            <a:r>
+              <a:rPr lang="en-US" dirty="0"/>
+              <a:t>),</a:t>
+            </a:r>
+          </a:p>
+          <a:p>
+            <a:r>
+              <a:rPr lang="en-US" dirty="0"/>
+              <a:t>     </a:t>
+            </a:r>
+            <a:r>
+              <a:rPr lang="en-US" dirty="0" err="1"/>
+              <a:t>xlab</a:t>
+            </a:r>
+            <a:r>
+              <a:rPr lang="en-US" dirty="0"/>
+              <a:t>="recombination rate",</a:t>
+            </a:r>
+          </a:p>
+          <a:p>
+            <a:r>
+              <a:rPr lang="en-US" dirty="0"/>
+              <a:t>     </a:t>
+            </a:r>
+            <a:r>
+              <a:rPr lang="en-US" dirty="0" err="1"/>
+              <a:t>ylab</a:t>
+            </a:r>
+            <a:r>
+              <a:rPr lang="en-US" dirty="0"/>
+              <a:t>="Haldane's distance (</a:t>
+            </a:r>
+            <a:r>
+              <a:rPr lang="en-US" dirty="0" err="1"/>
+              <a:t>cM</a:t>
+            </a:r>
+            <a:r>
+              <a:rPr lang="en-US" dirty="0"/>
+              <a:t>)",</a:t>
+            </a:r>
+          </a:p>
+          <a:p>
+            <a:r>
+              <a:rPr lang="en-US" dirty="0"/>
+              <a:t>     main="Haldane's mapping function")</a:t>
+            </a:r>
+          </a:p>
+          <a:p>
+            <a:r>
+              <a:rPr lang="en-US" dirty="0"/>
+              <a:t>lines(r, </a:t>
+            </a:r>
+            <a:r>
+              <a:rPr lang="en-US" dirty="0" err="1"/>
+              <a:t>cM</a:t>
+            </a:r>
+            <a:r>
+              <a:rPr lang="en-US" dirty="0"/>
+              <a:t>, </a:t>
+            </a:r>
+            <a:r>
+              <a:rPr lang="en-US" dirty="0" err="1"/>
+              <a:t>lwd</a:t>
+            </a:r>
+            <a:r>
+              <a:rPr lang="en-US" dirty="0"/>
+              <a:t>=2)</a:t>
+            </a:r>
+          </a:p>
+          <a:p>
+            <a:r>
+              <a:rPr lang="en-US" dirty="0"/>
+              <a:t>lines(r, 100*r, col="gray50", </a:t>
+            </a:r>
+            <a:r>
+              <a:rPr lang="en-US" dirty="0" err="1"/>
+              <a:t>lwd</a:t>
+            </a:r>
+            <a:r>
+              <a:rPr lang="en-US" dirty="0"/>
+              <a:t>=2)</a:t>
+            </a:r>
+          </a:p>
+          <a:p>
+            <a:r>
+              <a:rPr lang="en-US" dirty="0"/>
+              <a:t>#</a:t>
+            </a:r>
+            <a:r>
+              <a:rPr lang="en-US" dirty="0" err="1"/>
+              <a:t>abline</a:t>
+            </a:r>
+            <a:r>
+              <a:rPr lang="en-US" dirty="0"/>
+              <a:t>(a=0, b=1)</a:t>
+            </a:r>
           </a:p>
         </p:txBody>
       </p:sp>
@@ -1942,7 +2005,7 @@
           <a:p>
             <a:fld id="{A8154D48-21AB-6546-9E79-9D680E89D07C}" type="slidenum">
               <a:rPr lang="en-US" smtClean="0"/>
-              <a:t>14</a:t>
+              <a:t>13</a:t>
             </a:fld>
             <a:endParaRPr lang="en-US"/>
           </a:p>
@@ -1951,7 +2014,7 @@
     </p:spTree>
     <p:extLst>
       <p:ext uri="{BB962C8B-B14F-4D97-AF65-F5344CB8AC3E}">
-        <p14:creationId xmlns:p14="http://schemas.microsoft.com/office/powerpoint/2010/main" val="747861916"/>
+        <p14:creationId xmlns:p14="http://schemas.microsoft.com/office/powerpoint/2010/main" val="2600705999"/>
       </p:ext>
     </p:extLst>
   </p:cSld>
@@ -2005,32 +2068,40 @@
           <a:bodyPr/>
           <a:lstStyle/>
           <a:p>
-            <a:pPr marL="0" marR="0" indent="0" algn="l" defTabSz="457200" rtl="0" eaLnBrk="1" fontAlgn="auto" latinLnBrk="0" hangingPunct="1">
-              <a:lnSpc>
-                <a:spcPct val="100000"/>
-              </a:lnSpc>
-              <a:spcBef>
-                <a:spcPts val="0"/>
-              </a:spcBef>
-              <a:spcAft>
-                <a:spcPts val="0"/>
-              </a:spcAft>
-              <a:buClrTx/>
-              <a:buSzTx/>
-              <a:buFontTx/>
+            <a:r>
+              <a:rPr lang="en-IN" sz="1400" dirty="0">
+                <a:solidFill>
+                  <a:srgbClr val="FF0000"/>
+                </a:solidFill>
+              </a:rPr>
+              <a:t>Assumptions: </a:t>
+            </a:r>
+          </a:p>
+          <a:p>
+            <a:pPr marL="0" indent="0">
               <a:buNone/>
-              <a:tabLst/>
-              <a:defRPr/>
             </a:pPr>
             <a:r>
-              <a:rPr lang="en-US" dirty="0"/>
-              <a:t>the likelihood</a:t>
-            </a:r>
-            <a:r>
-              <a:rPr lang="en-US" baseline="0" dirty="0"/>
-              <a:t> of a QTL at a location is 1000 times as that of no QTLs</a:t>
-            </a:r>
-            <a:endParaRPr lang="en-US" dirty="0"/>
+              <a:rPr lang="en-IN" sz="1200" dirty="0">
+                <a:solidFill>
+                  <a:srgbClr val="000000"/>
+                </a:solidFill>
+              </a:rPr>
+              <a:t>1. </a:t>
+            </a:r>
+            <a:r>
+              <a:rPr lang="en-IN" sz="1200" dirty="0"/>
+              <a:t>Crossovers occurred at random along the chromosome </a:t>
+            </a:r>
+          </a:p>
+          <a:p>
+            <a:pPr marL="0" indent="0">
+              <a:buNone/>
+            </a:pPr>
+            <a:r>
+              <a:rPr lang="en-IN" sz="1200" dirty="0"/>
+              <a:t>2. The probability of a crossover at one position along the chromosome was independent of the probability of a crossover at another position.</a:t>
+            </a:r>
           </a:p>
           <a:p>
             <a:endParaRPr lang="en-US" dirty="0"/>
@@ -2054,7 +2125,7 @@
           <a:p>
             <a:fld id="{A8154D48-21AB-6546-9E79-9D680E89D07C}" type="slidenum">
               <a:rPr lang="en-US" smtClean="0"/>
-              <a:t>16</a:t>
+              <a:t>14</a:t>
             </a:fld>
             <a:endParaRPr lang="en-US"/>
           </a:p>
@@ -2063,7 +2134,7 @@
     </p:spTree>
     <p:extLst>
       <p:ext uri="{BB962C8B-B14F-4D97-AF65-F5344CB8AC3E}">
-        <p14:creationId xmlns:p14="http://schemas.microsoft.com/office/powerpoint/2010/main" val="518694659"/>
+        <p14:creationId xmlns:p14="http://schemas.microsoft.com/office/powerpoint/2010/main" val="747861916"/>
       </p:ext>
     </p:extLst>
   </p:cSld>
@@ -2117,6 +2188,34 @@
           <a:bodyPr/>
           <a:lstStyle/>
           <a:p>
+            <a:pPr marL="0" marR="0" indent="0" algn="l" defTabSz="457200" rtl="0" eaLnBrk="1" fontAlgn="auto" latinLnBrk="0" hangingPunct="1">
+              <a:lnSpc>
+                <a:spcPct val="100000"/>
+              </a:lnSpc>
+              <a:spcBef>
+                <a:spcPts val="0"/>
+              </a:spcBef>
+              <a:spcAft>
+                <a:spcPts val="0"/>
+              </a:spcAft>
+              <a:buClrTx/>
+              <a:buSzTx/>
+              <a:buFontTx/>
+              <a:buNone/>
+              <a:tabLst/>
+              <a:defRPr/>
+            </a:pPr>
+            <a:r>
+              <a:rPr lang="en-US" dirty="0"/>
+              <a:t>the likelihood</a:t>
+            </a:r>
+            <a:r>
+              <a:rPr lang="en-US" baseline="0" dirty="0"/>
+              <a:t> of a QTL at a location is 1000 times as that of no QTLs</a:t>
+            </a:r>
+            <a:endParaRPr lang="en-US" dirty="0"/>
+          </a:p>
+          <a:p>
             <a:endParaRPr lang="en-US" dirty="0"/>
           </a:p>
         </p:txBody>
@@ -2128,7 +2227,7 @@
             <a:spLocks noGrp="1"/>
           </p:cNvSpPr>
           <p:nvPr>
-            <p:ph type="sldNum" sz="quarter" idx="5"/>
+            <p:ph type="sldNum" sz="quarter" idx="10"/>
           </p:nvPr>
         </p:nvSpPr>
         <p:spPr/>
@@ -2138,7 +2237,7 @@
           <a:p>
             <a:fld id="{A8154D48-21AB-6546-9E79-9D680E89D07C}" type="slidenum">
               <a:rPr lang="en-US" smtClean="0"/>
-              <a:t>21</a:t>
+              <a:t>16</a:t>
             </a:fld>
             <a:endParaRPr lang="en-US"/>
           </a:p>
@@ -2147,7 +2246,7 @@
     </p:spTree>
     <p:extLst>
       <p:ext uri="{BB962C8B-B14F-4D97-AF65-F5344CB8AC3E}">
-        <p14:creationId xmlns:p14="http://schemas.microsoft.com/office/powerpoint/2010/main" val="1907557865"/>
+        <p14:creationId xmlns:p14="http://schemas.microsoft.com/office/powerpoint/2010/main" val="518694659"/>
       </p:ext>
     </p:extLst>
   </p:cSld>
@@ -2336,7 +2435,7 @@
           <a:p>
             <a:fld id="{F70C4EF3-0DAA-714F-90CE-4047899F238F}" type="datetime1">
               <a:rPr lang="en-US" smtClean="0"/>
-              <a:t>2/27/23</a:t>
+              <a:t>3/2/23</a:t>
             </a:fld>
             <a:endParaRPr lang="en-US"/>
           </a:p>
@@ -2504,7 +2603,7 @@
           <a:p>
             <a:fld id="{17BD5259-BD41-7644-8239-9C6BA2210306}" type="datetime1">
               <a:rPr lang="en-US" smtClean="0"/>
-              <a:t>2/27/23</a:t>
+              <a:t>3/2/23</a:t>
             </a:fld>
             <a:endParaRPr lang="en-US"/>
           </a:p>
@@ -2682,7 +2781,7 @@
           <a:p>
             <a:fld id="{786E1EFC-E6AB-2947-A6D2-5B231F6001E8}" type="datetime1">
               <a:rPr lang="en-US" smtClean="0"/>
-              <a:t>2/27/23</a:t>
+              <a:t>3/2/23</a:t>
             </a:fld>
             <a:endParaRPr lang="en-US"/>
           </a:p>
@@ -2850,7 +2949,7 @@
           <a:p>
             <a:fld id="{EB157841-5AC3-314E-B511-702A63E29FFA}" type="datetime1">
               <a:rPr lang="en-US" smtClean="0"/>
-              <a:t>2/27/23</a:t>
+              <a:t>3/2/23</a:t>
             </a:fld>
             <a:endParaRPr lang="en-US"/>
           </a:p>
@@ -3095,7 +3194,7 @@
           <a:p>
             <a:fld id="{8FD64125-C793-CF40-AB85-5C580211B255}" type="datetime1">
               <a:rPr lang="en-US" smtClean="0"/>
-              <a:t>2/27/23</a:t>
+              <a:t>3/2/23</a:t>
             </a:fld>
             <a:endParaRPr lang="en-US"/>
           </a:p>
@@ -3380,7 +3479,7 @@
           <a:p>
             <a:fld id="{8FF3BC11-D26C-9545-8066-AD887DC40162}" type="datetime1">
               <a:rPr lang="en-US" smtClean="0"/>
-              <a:t>2/27/23</a:t>
+              <a:t>3/2/23</a:t>
             </a:fld>
             <a:endParaRPr lang="en-US"/>
           </a:p>
@@ -3799,7 +3898,7 @@
           <a:p>
             <a:fld id="{7C8EB1DA-39EA-654F-9C1C-79D5A957E68F}" type="datetime1">
               <a:rPr lang="en-US" smtClean="0"/>
-              <a:t>2/27/23</a:t>
+              <a:t>3/2/23</a:t>
             </a:fld>
             <a:endParaRPr lang="en-US"/>
           </a:p>
@@ -3916,7 +4015,7 @@
           <a:p>
             <a:fld id="{849BDEB1-7C20-1A41-8500-9C13ED8CAD7B}" type="datetime1">
               <a:rPr lang="en-US" smtClean="0"/>
-              <a:t>2/27/23</a:t>
+              <a:t>3/2/23</a:t>
             </a:fld>
             <a:endParaRPr lang="en-US"/>
           </a:p>
@@ -4011,7 +4110,7 @@
           <a:p>
             <a:fld id="{77A308EA-94AC-6B47-B055-F8BDD6933FD2}" type="datetime1">
               <a:rPr lang="en-US" smtClean="0"/>
-              <a:t>2/27/23</a:t>
+              <a:t>3/2/23</a:t>
             </a:fld>
             <a:endParaRPr lang="en-US"/>
           </a:p>
@@ -4286,7 +4385,7 @@
           <a:p>
             <a:fld id="{27A84899-45CA-A542-9B98-BED806E245BD}" type="datetime1">
               <a:rPr lang="en-US" smtClean="0"/>
-              <a:t>2/27/23</a:t>
+              <a:t>3/2/23</a:t>
             </a:fld>
             <a:endParaRPr lang="en-US"/>
           </a:p>
@@ -4538,7 +4637,7 @@
           <a:p>
             <a:fld id="{60A476BE-35F3-B741-9D24-92BEBB725E1A}" type="datetime1">
               <a:rPr lang="en-US" smtClean="0"/>
-              <a:t>2/27/23</a:t>
+              <a:t>3/2/23</a:t>
             </a:fld>
             <a:endParaRPr lang="en-US"/>
           </a:p>
@@ -4749,7 +4848,7 @@
           <a:p>
             <a:fld id="{9C73C396-9FD4-4C49-83A0-4D35B418F31C}" type="datetime1">
               <a:rPr lang="en-US" smtClean="0"/>
-              <a:t>2/27/23</a:t>
+              <a:t>3/2/23</a:t>
             </a:fld>
             <a:endParaRPr lang="en-US"/>
           </a:p>
@@ -12486,7 +12585,7 @@
         </p:nvSpPr>
         <p:spPr>
           <a:xfrm>
-            <a:off x="552365" y="941290"/>
+            <a:off x="552365" y="840706"/>
             <a:ext cx="8324859" cy="2240560"/>
           </a:xfrm>
           <a:prstGeom prst="rect">
@@ -12672,12 +12771,8 @@
               <a:buAutoNum type="arabicPeriod"/>
             </a:pPr>
             <a:r>
-              <a:rPr lang="en-US" sz="2400" dirty="0" err="1"/>
-              <a:t>Multiparent</a:t>
-            </a:r>
-            <a:r>
               <a:rPr lang="en-US" sz="2400" dirty="0"/>
-              <a:t> Advanced Generation Inter-Cross (MAGIC)</a:t>
+              <a:t>Multi-parent Advanced Generation Inter-Cross (MAGIC)</a:t>
             </a:r>
           </a:p>
         </p:txBody>
@@ -12694,7 +12789,7 @@
         </p:nvSpPr>
         <p:spPr>
           <a:xfrm>
-            <a:off x="457200" y="274638"/>
+            <a:off x="457200" y="174054"/>
             <a:ext cx="8229600" cy="681825"/>
           </a:xfrm>
         </p:spPr>
@@ -12734,7 +12829,7 @@
         </p:blipFill>
         <p:spPr bwMode="auto">
           <a:xfrm>
-            <a:off x="457200" y="3282534"/>
+            <a:off x="457200" y="3181950"/>
             <a:ext cx="4397544" cy="3300829"/>
           </a:xfrm>
           <a:prstGeom prst="rect">
@@ -12747,7 +12842,7 @@
           <a:effectLst/>
           <a:extLst>
             <a:ext uri="{909E8E84-426E-40dd-AFC4-6F175D3DCCD1}">
-              <a14:hiddenFill xmlns:a14="http://schemas.microsoft.com/office/drawing/2010/main" xmlns="">
+              <a14:hiddenFill xmlns="" xmlns:a14="http://schemas.microsoft.com/office/drawing/2010/main">
                 <a:blipFill dpi="0" rotWithShape="0">
                   <a:blip/>
                   <a:srcRect/>
@@ -12758,7 +12853,7 @@
               </a14:hiddenFill>
             </a:ext>
             <a:ext uri="{91240B29-F687-4f45-9708-019B960494DF}">
-              <a14:hiddenLine xmlns:a14="http://schemas.microsoft.com/office/drawing/2010/main" xmlns="" w="9525">
+              <a14:hiddenLine xmlns="" xmlns:a14="http://schemas.microsoft.com/office/drawing/2010/main" w="9525">
                 <a:solidFill>
                   <a:srgbClr val="FFFFFF"/>
                 </a:solidFill>
@@ -12768,7 +12863,7 @@
               </a14:hiddenLine>
             </a:ext>
             <a:ext uri="{AF507438-7753-43e0-B8FC-AC1667EBCBE1}">
-              <a14:hiddenEffects xmlns:a14="http://schemas.microsoft.com/office/drawing/2010/main" xmlns="">
+              <a14:hiddenEffects xmlns="" xmlns:a14="http://schemas.microsoft.com/office/drawing/2010/main">
                 <a:effectLst>
                   <a:outerShdw blurRad="63500" dist="38099" dir="2700000" algn="ctr" rotWithShape="0">
                     <a:srgbClr val="000000">
@@ -12791,7 +12886,7 @@
         </p:nvSpPr>
         <p:spPr bwMode="auto">
           <a:xfrm>
-            <a:off x="806366" y="6643641"/>
+            <a:off x="806366" y="6543057"/>
             <a:ext cx="2617738" cy="181281"/>
           </a:xfrm>
           <a:prstGeom prst="rect">
@@ -12804,14 +12899,14 @@
           <a:effectLst/>
           <a:extLst>
             <a:ext uri="{909E8E84-426E-40dd-AFC4-6F175D3DCCD1}">
-              <a14:hiddenFill xmlns:a14="http://schemas.microsoft.com/office/drawing/2010/main" xmlns="">
+              <a14:hiddenFill xmlns="" xmlns:a14="http://schemas.microsoft.com/office/drawing/2010/main">
                 <a:solidFill>
                   <a:srgbClr val="FFFFFF"/>
                 </a:solidFill>
               </a14:hiddenFill>
             </a:ext>
             <a:ext uri="{91240B29-F687-4f45-9708-019B960494DF}">
-              <a14:hiddenLine xmlns:a14="http://schemas.microsoft.com/office/drawing/2010/main" xmlns="" w="9525">
+              <a14:hiddenLine xmlns="" xmlns:a14="http://schemas.microsoft.com/office/drawing/2010/main" w="9525">
                 <a:solidFill>
                   <a:srgbClr val="FFFFFF"/>
                 </a:solidFill>
@@ -12821,7 +12916,7 @@
               </a14:hiddenLine>
             </a:ext>
             <a:ext uri="{AF507438-7753-43e0-B8FC-AC1667EBCBE1}">
-              <a14:hiddenEffects xmlns:a14="http://schemas.microsoft.com/office/drawing/2010/main" xmlns="">
+              <a14:hiddenEffects xmlns="" xmlns:a14="http://schemas.microsoft.com/office/drawing/2010/main">
                 <a:effectLst>
                   <a:outerShdw blurRad="63500" dist="38099" dir="2700000" algn="ctr" rotWithShape="0">
                     <a:srgbClr val="000000">
@@ -13078,7 +13173,7 @@
         </p:blipFill>
         <p:spPr>
           <a:xfrm>
-            <a:off x="5238218" y="3329234"/>
+            <a:off x="5238218" y="3228650"/>
             <a:ext cx="2986255" cy="3293412"/>
           </a:xfrm>
           <a:prstGeom prst="rect">
@@ -13094,7 +13189,7 @@
         </p:nvSpPr>
         <p:spPr>
           <a:xfrm>
-            <a:off x="5171202" y="6611171"/>
+            <a:off x="5171202" y="6510587"/>
             <a:ext cx="3259113" cy="246221"/>
           </a:xfrm>
           <a:prstGeom prst="rect">
@@ -13125,7 +13220,12 @@
             <p:ph type="sldNum" sz="quarter" idx="12"/>
           </p:nvPr>
         </p:nvSpPr>
-        <p:spPr/>
+        <p:spPr>
+          <a:xfrm>
+            <a:off x="6553200" y="6319774"/>
+            <a:ext cx="2133600" cy="365125"/>
+          </a:xfrm>
+        </p:spPr>
         <p:txBody>
           <a:bodyPr/>
           <a:lstStyle/>
@@ -20094,14 +20194,14 @@
           </a:ln>
           <a:extLst>
             <a:ext uri="{909E8E84-426E-40dd-AFC4-6F175D3DCCD1}">
-              <a14:hiddenFill xmlns:a14="http://schemas.microsoft.com/office/drawing/2010/main" xmlns="">
+              <a14:hiddenFill xmlns="" xmlns:a14="http://schemas.microsoft.com/office/drawing/2010/main">
                 <a:solidFill>
                   <a:srgbClr val="FFFFFF"/>
                 </a:solidFill>
               </a14:hiddenFill>
             </a:ext>
             <a:ext uri="{91240B29-F687-4f45-9708-019B960494DF}">
-              <a14:hiddenLine xmlns:a14="http://schemas.microsoft.com/office/drawing/2010/main" xmlns="" w="9525">
+              <a14:hiddenLine xmlns="" xmlns:a14="http://schemas.microsoft.com/office/drawing/2010/main" w="9525">
                 <a:solidFill>
                   <a:srgbClr val="000000"/>
                 </a:solidFill>
@@ -20282,84 +20382,6 @@
   <p:clrMapOvr>
     <a:masterClrMapping/>
   </p:clrMapOvr>
-  <p:timing>
-    <p:tnLst>
-      <p:par>
-        <p:cTn id="1" dur="indefinite" restart="never" nodeType="tmRoot">
-          <p:childTnLst>
-            <p:seq concurrent="1" nextAc="seek">
-              <p:cTn id="2" dur="indefinite" nodeType="mainSeq">
-                <p:childTnLst>
-                  <p:par>
-                    <p:cTn id="3" fill="hold">
-                      <p:stCondLst>
-                        <p:cond delay="indefinite"/>
-                      </p:stCondLst>
-                      <p:childTnLst>
-                        <p:par>
-                          <p:cTn id="4" fill="hold">
-                            <p:stCondLst>
-                              <p:cond delay="0"/>
-                            </p:stCondLst>
-                            <p:childTnLst>
-                              <p:par>
-                                <p:cTn id="5" presetID="1" presetClass="entr" presetSubtype="0" fill="hold" grpId="0" nodeType="clickEffect">
-                                  <p:stCondLst>
-                                    <p:cond delay="0"/>
-                                  </p:stCondLst>
-                                  <p:childTnLst>
-                                    <p:set>
-                                      <p:cBhvr>
-                                        <p:cTn id="6" dur="1" fill="hold">
-                                          <p:stCondLst>
-                                            <p:cond delay="0"/>
-                                          </p:stCondLst>
-                                        </p:cTn>
-                                        <p:tgtEl>
-                                          <p:spTgt spid="4"/>
-                                        </p:tgtEl>
-                                        <p:attrNameLst>
-                                          <p:attrName>style.visibility</p:attrName>
-                                        </p:attrNameLst>
-                                      </p:cBhvr>
-                                      <p:to>
-                                        <p:strVal val="visible"/>
-                                      </p:to>
-                                    </p:set>
-                                  </p:childTnLst>
-                                </p:cTn>
-                              </p:par>
-                            </p:childTnLst>
-                          </p:cTn>
-                        </p:par>
-                      </p:childTnLst>
-                    </p:cTn>
-                  </p:par>
-                </p:childTnLst>
-              </p:cTn>
-              <p:prevCondLst>
-                <p:cond evt="onPrev" delay="0">
-                  <p:tgtEl>
-                    <p:sldTgt/>
-                  </p:tgtEl>
-                </p:cond>
-              </p:prevCondLst>
-              <p:nextCondLst>
-                <p:cond evt="onNext" delay="0">
-                  <p:tgtEl>
-                    <p:sldTgt/>
-                  </p:tgtEl>
-                </p:cond>
-              </p:nextCondLst>
-            </p:seq>
-          </p:childTnLst>
-        </p:cTn>
-      </p:par>
-    </p:tnLst>
-    <p:bldLst>
-      <p:bldP spid="4" grpId="0"/>
-    </p:bldLst>
-  </p:timing>
 </p:sld>
 </file>
 
